--- a/templates/professional_blue.pptx
+++ b/templates/professional_blue.pptx
@@ -5656,7 +5656,7 @@
 <file path=ppt/theme/theme1.xml><?xml version="1.0" encoding="utf-8"?>
 <a:theme xmlns:a="http://schemas.openxmlformats.org/drawingml/2006/main" name="Sector">
   <a:themeElements>
-    <a:clrScheme name="Sector">
+    <a:clrScheme name="Azul">
       <a:dk1>
         <a:sysClr val="windowText" lastClr="000000"/>
       </a:dk1>
@@ -5664,34 +5664,34 @@
         <a:sysClr val="window" lastClr="FFFFFF"/>
       </a:lt1>
       <a:dk2>
-        <a:srgbClr val="146194"/>
+        <a:srgbClr val="17406D"/>
       </a:dk2>
       <a:lt2>
-        <a:srgbClr val="76DBF4"/>
+        <a:srgbClr val="DBEFF9"/>
       </a:lt2>
       <a:accent1>
-        <a:srgbClr val="052F61"/>
+        <a:srgbClr val="0F6FC6"/>
       </a:accent1>
       <a:accent2>
-        <a:srgbClr val="A50E82"/>
+        <a:srgbClr val="009DD9"/>
       </a:accent2>
       <a:accent3>
-        <a:srgbClr val="14967C"/>
+        <a:srgbClr val="0BD0D9"/>
       </a:accent3>
       <a:accent4>
-        <a:srgbClr val="6A9E1F"/>
+        <a:srgbClr val="10CF9B"/>
       </a:accent4>
       <a:accent5>
-        <a:srgbClr val="E87D37"/>
+        <a:srgbClr val="7CCA62"/>
       </a:accent5>
       <a:accent6>
-        <a:srgbClr val="C62324"/>
+        <a:srgbClr val="A5C249"/>
       </a:accent6>
       <a:hlink>
-        <a:srgbClr val="0D2E46"/>
+        <a:srgbClr val="F49100"/>
       </a:hlink>
       <a:folHlink>
-        <a:srgbClr val="356A95"/>
+        <a:srgbClr val="85DFD0"/>
       </a:folHlink>
     </a:clrScheme>
     <a:fontScheme name="Sector">
